--- a/spring16/slidesS16/normal-forms.pptx
+++ b/spring16/slidesS16/normal-forms.pptx
@@ -5,10 +5,10 @@
     <p:sldMasterId id="2147483650" r:id="rId1"/>
   </p:sldMasterIdLst>
   <p:notesMasterIdLst>
-    <p:notesMasterId r:id="rId20"/>
+    <p:notesMasterId r:id="rId21"/>
   </p:notesMasterIdLst>
   <p:handoutMasterIdLst>
-    <p:handoutMasterId r:id="rId21"/>
+    <p:handoutMasterId r:id="rId22"/>
   </p:handoutMasterIdLst>
   <p:sldIdLst>
     <p:sldId id="392" r:id="rId2"/>
@@ -21,19 +21,20 @@
     <p:sldId id="469" r:id="rId9"/>
     <p:sldId id="470" r:id="rId10"/>
     <p:sldId id="471" r:id="rId11"/>
-    <p:sldId id="473" r:id="rId12"/>
-    <p:sldId id="474" r:id="rId13"/>
-    <p:sldId id="476" r:id="rId14"/>
-    <p:sldId id="477" r:id="rId15"/>
-    <p:sldId id="478" r:id="rId16"/>
-    <p:sldId id="479" r:id="rId17"/>
-    <p:sldId id="480" r:id="rId18"/>
-    <p:sldId id="483" r:id="rId19"/>
+    <p:sldId id="484" r:id="rId12"/>
+    <p:sldId id="473" r:id="rId13"/>
+    <p:sldId id="474" r:id="rId14"/>
+    <p:sldId id="476" r:id="rId15"/>
+    <p:sldId id="477" r:id="rId16"/>
+    <p:sldId id="478" r:id="rId17"/>
+    <p:sldId id="479" r:id="rId18"/>
+    <p:sldId id="480" r:id="rId19"/>
+    <p:sldId id="483" r:id="rId20"/>
   </p:sldIdLst>
   <p:sldSz cx="9144000" cy="6858000" type="screen4x3"/>
   <p:notesSz cx="9601200" cy="7315200"/>
   <p:custDataLst>
-    <p:tags r:id="rId23"/>
+    <p:tags r:id="rId24"/>
   </p:custDataLst>
   <p:defaultTextStyle>
     <a:defPPr>
@@ -966,11 +967,7 @@
           <a:p>
             <a:r>
               <a:rPr lang="en-US" dirty="0" smtClean="0"/>
-              <a:t>Master </a:t>
-            </a:r>
-            <a:r>
-              <a:rPr lang="en-US" dirty="0" smtClean="0"/>
-              <a:t>title style</a:t>
+              <a:t>Master title style</a:t>
             </a:r>
             <a:endParaRPr lang="en-US" dirty="0"/>
           </a:p>
@@ -1372,11 +1369,7 @@
           <a:p>
             <a:r>
               <a:rPr lang="en-US" dirty="0" smtClean="0"/>
-              <a:t>Master </a:t>
-            </a:r>
-            <a:r>
-              <a:rPr lang="en-US" dirty="0" smtClean="0"/>
-              <a:t>title style</a:t>
+              <a:t>Master title style</a:t>
             </a:r>
             <a:endParaRPr lang="en-US" dirty="0"/>
           </a:p>
@@ -1763,13 +1756,7 @@
               <a:rPr lang="en-US" sz="1100" baseline="0" dirty="0" smtClean="0">
                 <a:latin typeface="Comic Sans MS" pitchFamily="66" charset="0"/>
               </a:rPr>
-              <a:t>February </a:t>
-            </a:r>
-            <a:r>
-              <a:rPr lang="en-US" sz="1100" baseline="0" dirty="0" smtClean="0">
-                <a:latin typeface="Comic Sans MS" pitchFamily="66" charset="0"/>
-              </a:rPr>
-              <a:t>12</a:t>
+              <a:t>February 12</a:t>
             </a:r>
             <a:r>
               <a:rPr lang="en-US" sz="1100" dirty="0" smtClean="0">
@@ -2268,7 +2255,14 @@
             <a:pPr algn="ctr"/>
             <a:r>
               <a:rPr lang="en-US" sz="8800" b="0" baseline="0" dirty="0" smtClean="0"/>
-              <a:t>Standard Forms</a:t>
+              <a:t>Propositional</a:t>
+            </a:r>
+            <a:br>
+              <a:rPr lang="en-US" sz="8800" b="0" baseline="0" dirty="0" smtClean="0"/>
+            </a:br>
+            <a:r>
+              <a:rPr lang="en-US" sz="8800" b="0" baseline="0" dirty="0" smtClean="0"/>
+              <a:t>Normal Forms</a:t>
             </a:r>
             <a:endParaRPr lang="en-US" sz="8800" b="0" baseline="0" dirty="0"/>
           </a:p>
@@ -2671,9 +2665,6 @@
               </a:rPr>
               <a:t>off the Truth Table</a:t>
             </a:r>
-            <a:endParaRPr lang="en-US" sz="6600" dirty="0" smtClean="0">
-              <a:latin typeface="Comic Sans MS" pitchFamily="66" charset="0"/>
-            </a:endParaRPr>
           </a:p>
         </p:txBody>
       </p:sp>
@@ -2687,13 +2678,13 @@
   <p:clrMapOvr>
     <a:masterClrMapping/>
   </p:clrMapOvr>
-  <mc:AlternateContent xmlns:mc="http://schemas.openxmlformats.org/markup-compatibility/2006">
-    <mc:Choice xmlns:p14="http://schemas.microsoft.com/office/powerpoint/2010/main" Requires="p14">
+  <mc:AlternateContent xmlns:mc="http://schemas.openxmlformats.org/markup-compatibility/2006" xmlns:p14="http://schemas.microsoft.com/office/powerpoint/2010/main">
+    <mc:Choice Requires="p14">
       <p:transition spd="med" p14:dur="700" advClick="0">
         <p:fade thruBlk="1"/>
       </p:transition>
     </mc:Choice>
-    <mc:Fallback>
+    <mc:Fallback xmlns="">
       <p:transition xmlns:p14="http://schemas.microsoft.com/office/powerpoint/2010/main" spd="med" advClick="0">
         <p:fade thruBlk="1"/>
       </p:transition>
@@ -2821,12 +2812,22 @@
           <a:lstStyle/>
           <a:p>
             <a:r>
-              <a:rPr lang="en-US" dirty="0"/>
-              <a:t>Product</a:t>
-            </a:r>
-            <a:r>
               <a:rPr lang="en-US" dirty="0" smtClean="0"/>
-              <a:t> of Sums Form</a:t>
+              <a:t>Every formula </a:t>
+            </a:r>
+            <a:r>
+              <a:rPr lang="en-US" dirty="0" smtClean="0">
+                <a:solidFill>
+                  <a:srgbClr val="000099"/>
+                </a:solidFill>
+                <a:latin typeface="Euclid Symbol" charset="2"/>
+                <a:cs typeface="Euclid Symbol" charset="2"/>
+              </a:rPr>
+              <a:t>≡</a:t>
+            </a:r>
+            <a:r>
+              <a:rPr lang="en-US" dirty="0" smtClean="0"/>
+              <a:t> DNF</a:t>
             </a:r>
             <a:endParaRPr lang="en-US" dirty="0"/>
           </a:p>
@@ -2860,6 +2861,303 @@
                 <a:defRPr/>
               </a:pPr>
               <a:t>11</a:t>
+            </a:fld>
+            <a:endParaRPr lang="en-US" dirty="0"/>
+          </a:p>
+        </p:txBody>
+      </p:sp>
+      <p:sp>
+        <p:nvSpPr>
+          <p:cNvPr id="4" name="TextBox 3"/>
+          <p:cNvSpPr txBox="1"/>
+          <p:nvPr/>
+        </p:nvSpPr>
+        <p:spPr>
+          <a:xfrm>
+            <a:off x="415021" y="1659845"/>
+            <a:ext cx="8054383" cy="4247317"/>
+          </a:xfrm>
+          <a:prstGeom prst="rect">
+            <a:avLst/>
+          </a:prstGeom>
+          <a:noFill/>
+        </p:spPr>
+        <p:txBody>
+          <a:bodyPr wrap="none" rtlCol="0">
+            <a:spAutoFit/>
+          </a:bodyPr>
+          <a:lstStyle/>
+          <a:p>
+            <a:pPr algn="l"/>
+            <a:r>
+              <a:rPr lang="en-US" sz="5400" dirty="0" smtClean="0">
+                <a:solidFill>
+                  <a:srgbClr val="800000"/>
+                </a:solidFill>
+                <a:latin typeface="Comic Sans MS" pitchFamily="66" charset="0"/>
+              </a:rPr>
+              <a:t>Corollary:  </a:t>
+            </a:r>
+            <a:r>
+              <a:rPr lang="en-US" sz="5400" dirty="0" smtClean="0">
+                <a:latin typeface="Comic Sans MS" pitchFamily="66" charset="0"/>
+              </a:rPr>
+              <a:t>Two formulas</a:t>
+            </a:r>
+          </a:p>
+          <a:p>
+            <a:pPr algn="l"/>
+            <a:r>
+              <a:rPr lang="en-US" sz="5400" dirty="0" smtClean="0">
+                <a:latin typeface="Comic Sans MS" pitchFamily="66" charset="0"/>
+              </a:rPr>
+              <a:t>are equivalent </a:t>
+            </a:r>
+            <a:r>
+              <a:rPr lang="en-US" sz="5400" dirty="0" err="1" smtClean="0">
+                <a:latin typeface="Comic Sans MS" pitchFamily="66" charset="0"/>
+              </a:rPr>
+              <a:t>iff</a:t>
+            </a:r>
+            <a:r>
+              <a:rPr lang="en-US" sz="5400" dirty="0" smtClean="0">
+                <a:latin typeface="Comic Sans MS" pitchFamily="66" charset="0"/>
+              </a:rPr>
+              <a:t> they</a:t>
+            </a:r>
+          </a:p>
+          <a:p>
+            <a:pPr algn="l"/>
+            <a:r>
+              <a:rPr lang="en-US" sz="5400" dirty="0" smtClean="0">
+                <a:latin typeface="Comic Sans MS" pitchFamily="66" charset="0"/>
+              </a:rPr>
+              <a:t>have the </a:t>
+            </a:r>
+            <a:r>
+              <a:rPr lang="en-US" sz="5400" dirty="0" smtClean="0">
+                <a:latin typeface="Comic Sans MS" pitchFamily="66" charset="0"/>
+              </a:rPr>
+              <a:t>same</a:t>
+            </a:r>
+            <a:r>
+              <a:rPr lang="en-US" sz="5400" smtClean="0">
+                <a:latin typeface="Comic Sans MS" pitchFamily="66" charset="0"/>
+              </a:rPr>
+              <a:t>* DNF</a:t>
+            </a:r>
+            <a:endParaRPr lang="en-US" sz="5400" dirty="0" smtClean="0">
+              <a:latin typeface="Comic Sans MS" pitchFamily="66" charset="0"/>
+            </a:endParaRPr>
+          </a:p>
+          <a:p>
+            <a:pPr algn="l"/>
+            <a:endParaRPr lang="en-US" sz="5400" dirty="0">
+              <a:latin typeface="Comic Sans MS" pitchFamily="66" charset="0"/>
+            </a:endParaRPr>
+          </a:p>
+          <a:p>
+            <a:pPr algn="l"/>
+            <a:r>
+              <a:rPr lang="en-US" sz="5400" dirty="0" smtClean="0">
+                <a:latin typeface="Comic Sans MS" pitchFamily="66" charset="0"/>
+              </a:rPr>
+              <a:t>*alphabetized</a:t>
+            </a:r>
+            <a:endParaRPr lang="en-US" sz="5400" dirty="0" smtClean="0">
+              <a:latin typeface="Comic Sans MS" pitchFamily="66" charset="0"/>
+            </a:endParaRPr>
+          </a:p>
+        </p:txBody>
+      </p:sp>
+    </p:spTree>
+    <p:extLst>
+      <p:ext uri="{BB962C8B-B14F-4D97-AF65-F5344CB8AC3E}">
+        <p14:creationId xmlns:p14="http://schemas.microsoft.com/office/powerpoint/2010/main" val="71411222"/>
+      </p:ext>
+    </p:extLst>
+  </p:cSld>
+  <p:clrMapOvr>
+    <a:masterClrMapping/>
+  </p:clrMapOvr>
+  <mc:AlternateContent xmlns:mc="http://schemas.openxmlformats.org/markup-compatibility/2006">
+    <mc:Choice xmlns:p14="http://schemas.microsoft.com/office/powerpoint/2010/main" Requires="p14">
+      <p:transition spd="med" p14:dur="700" advClick="0">
+        <p:fade/>
+      </p:transition>
+    </mc:Choice>
+    <mc:Fallback>
+      <p:transition xmlns:p14="http://schemas.microsoft.com/office/powerpoint/2010/main" spd="med" advClick="0">
+        <p:fade/>
+      </p:transition>
+    </mc:Fallback>
+  </mc:AlternateContent>
+  <p:timing>
+    <p:tnLst>
+      <p:par>
+        <p:cTn xmlns:p14="http://schemas.microsoft.com/office/powerpoint/2010/main" id="1" dur="indefinite" restart="never" nodeType="tmRoot">
+          <p:childTnLst>
+            <p:seq concurrent="1" nextAc="seek">
+              <p:cTn id="2" dur="indefinite" nodeType="mainSeq">
+                <p:childTnLst>
+                  <p:par>
+                    <p:cTn id="3" fill="hold">
+                      <p:stCondLst>
+                        <p:cond delay="indefinite"/>
+                      </p:stCondLst>
+                      <p:childTnLst>
+                        <p:par>
+                          <p:cTn id="4" fill="hold">
+                            <p:stCondLst>
+                              <p:cond delay="0"/>
+                            </p:stCondLst>
+                            <p:childTnLst>
+                              <p:par>
+                                <p:cTn id="5" presetID="10" presetClass="entr" presetSubtype="0" fill="hold" nodeType="clickEffect">
+                                  <p:stCondLst>
+                                    <p:cond delay="0"/>
+                                  </p:stCondLst>
+                                  <p:childTnLst>
+                                    <p:set>
+                                      <p:cBhvr>
+                                        <p:cTn id="6" dur="1" fill="hold">
+                                          <p:stCondLst>
+                                            <p:cond delay="0"/>
+                                          </p:stCondLst>
+                                        </p:cTn>
+                                        <p:tgtEl>
+                                          <p:spTgt spid="4">
+                                            <p:txEl>
+                                              <p:pRg st="4" end="4"/>
+                                            </p:txEl>
+                                          </p:spTgt>
+                                        </p:tgtEl>
+                                        <p:attrNameLst>
+                                          <p:attrName>style.visibility</p:attrName>
+                                        </p:attrNameLst>
+                                      </p:cBhvr>
+                                      <p:to>
+                                        <p:strVal val="visible"/>
+                                      </p:to>
+                                    </p:set>
+                                    <p:animEffect transition="in" filter="fade">
+                                      <p:cBhvr>
+                                        <p:cTn id="7" dur="500"/>
+                                        <p:tgtEl>
+                                          <p:spTgt spid="4">
+                                            <p:txEl>
+                                              <p:pRg st="4" end="4"/>
+                                            </p:txEl>
+                                          </p:spTgt>
+                                        </p:tgtEl>
+                                      </p:cBhvr>
+                                    </p:animEffect>
+                                  </p:childTnLst>
+                                </p:cTn>
+                              </p:par>
+                            </p:childTnLst>
+                          </p:cTn>
+                        </p:par>
+                      </p:childTnLst>
+                    </p:cTn>
+                  </p:par>
+                </p:childTnLst>
+              </p:cTn>
+              <p:prevCondLst>
+                <p:cond evt="onPrev" delay="0">
+                  <p:tgtEl>
+                    <p:sldTgt/>
+                  </p:tgtEl>
+                </p:cond>
+              </p:prevCondLst>
+              <p:nextCondLst>
+                <p:cond evt="onNext" delay="0">
+                  <p:tgtEl>
+                    <p:sldTgt/>
+                  </p:tgtEl>
+                </p:cond>
+              </p:nextCondLst>
+            </p:seq>
+          </p:childTnLst>
+        </p:cTn>
+      </p:par>
+    </p:tnLst>
+  </p:timing>
+</p:sld>
+</file>
+
+<file path=ppt/slides/slide12.xml><?xml version="1.0" encoding="utf-8"?>
+<p:sld xmlns:a="http://schemas.openxmlformats.org/drawingml/2006/main" xmlns:r="http://schemas.openxmlformats.org/officeDocument/2006/relationships" xmlns:p="http://schemas.openxmlformats.org/presentationml/2006/main">
+  <p:cSld>
+    <p:spTree>
+      <p:nvGrpSpPr>
+        <p:cNvPr id="1" name=""/>
+        <p:cNvGrpSpPr/>
+        <p:nvPr/>
+      </p:nvGrpSpPr>
+      <p:grpSpPr>
+        <a:xfrm>
+          <a:off x="0" y="0"/>
+          <a:ext cx="0" cy="0"/>
+          <a:chOff x="0" y="0"/>
+          <a:chExt cx="0" cy="0"/>
+        </a:xfrm>
+      </p:grpSpPr>
+      <p:sp>
+        <p:nvSpPr>
+          <p:cNvPr id="2" name="Title 1"/>
+          <p:cNvSpPr>
+            <a:spLocks noGrp="1"/>
+          </p:cNvSpPr>
+          <p:nvPr>
+            <p:ph type="title" sz="quarter"/>
+          </p:nvPr>
+        </p:nvSpPr>
+        <p:spPr/>
+        <p:txBody>
+          <a:bodyPr/>
+          <a:lstStyle/>
+          <a:p>
+            <a:r>
+              <a:rPr lang="en-US" dirty="0"/>
+              <a:t>Product</a:t>
+            </a:r>
+            <a:r>
+              <a:rPr lang="en-US" dirty="0" smtClean="0"/>
+              <a:t> of Sums Form</a:t>
+            </a:r>
+            <a:endParaRPr lang="en-US" dirty="0"/>
+          </a:p>
+        </p:txBody>
+      </p:sp>
+      <p:sp>
+        <p:nvSpPr>
+          <p:cNvPr id="3" name="Slide Number Placeholder 2"/>
+          <p:cNvSpPr>
+            <a:spLocks noGrp="1"/>
+          </p:cNvSpPr>
+          <p:nvPr>
+            <p:ph type="sldNum" sz="quarter" idx="10"/>
+          </p:nvPr>
+        </p:nvSpPr>
+        <p:spPr/>
+        <p:txBody>
+          <a:bodyPr/>
+          <a:lstStyle/>
+          <a:p>
+            <a:pPr>
+              <a:defRPr/>
+            </a:pPr>
+            <a:r>
+              <a:rPr lang="en-US" smtClean="0"/>
+              <a:t>forms.</a:t>
+            </a:r>
+            <a:fld id="{068AF58D-0467-409E-A30A-0D5E3A2B197F}" type="slidenum">
+              <a:rPr lang="en-US" smtClean="0"/>
+              <a:pPr>
+                <a:defRPr/>
+              </a:pPr>
+              <a:t>12</a:t>
             </a:fld>
             <a:endParaRPr lang="en-US" dirty="0"/>
           </a:p>
@@ -2930,14 +3228,6 @@
               </a:rPr>
               <a:t> ORs</a:t>
             </a:r>
-            <a:endParaRPr lang="en-US" sz="5400" dirty="0" smtClean="0">
-              <a:solidFill>
-                <a:schemeClr val="accent1">
-                  <a:lumMod val="50000"/>
-                </a:schemeClr>
-              </a:solidFill>
-              <a:latin typeface="Comic Sans MS" pitchFamily="66" charset="0"/>
-            </a:endParaRPr>
           </a:p>
         </p:txBody>
       </p:sp>
@@ -2982,12 +3272,6 @@
               </a:rPr>
               <a:t>junctive Form</a:t>
             </a:r>
-            <a:endParaRPr lang="en-US" sz="6600" dirty="0" smtClean="0">
-              <a:solidFill>
-                <a:srgbClr val="000000"/>
-              </a:solidFill>
-              <a:latin typeface="Comic Sans MS" pitchFamily="66" charset="0"/>
-            </a:endParaRPr>
           </a:p>
         </p:txBody>
       </p:sp>
@@ -3001,13 +3285,13 @@
   <p:clrMapOvr>
     <a:masterClrMapping/>
   </p:clrMapOvr>
-  <mc:AlternateContent xmlns:mc="http://schemas.openxmlformats.org/markup-compatibility/2006">
-    <mc:Choice xmlns:p14="http://schemas.microsoft.com/office/powerpoint/2010/main" Requires="p14">
+  <mc:AlternateContent xmlns:mc="http://schemas.openxmlformats.org/markup-compatibility/2006" xmlns:p14="http://schemas.microsoft.com/office/powerpoint/2010/main">
+    <mc:Choice Requires="p14">
       <p:transition spd="slow" p14:dur="1200" advClick="0">
         <p:fade thruBlk="1"/>
       </p:transition>
     </mc:Choice>
-    <mc:Fallback>
+    <mc:Fallback xmlns="">
       <p:transition xmlns:p14="http://schemas.microsoft.com/office/powerpoint/2010/main" spd="slow" advClick="0">
         <p:fade thruBlk="1"/>
       </p:transition>
@@ -3156,7 +3440,7 @@
 </p:sld>
 </file>
 
-<file path=ppt/slides/slide12.xml><?xml version="1.0" encoding="utf-8"?>
+<file path=ppt/slides/slide13.xml><?xml version="1.0" encoding="utf-8"?>
 <p:sld xmlns:a="http://schemas.openxmlformats.org/drawingml/2006/main" xmlns:r="http://schemas.openxmlformats.org/officeDocument/2006/relationships" xmlns:p="http://schemas.openxmlformats.org/presentationml/2006/main">
   <p:cSld>
     <p:spTree>
@@ -3235,7 +3519,7 @@
               <a:pPr>
                 <a:defRPr/>
               </a:pPr>
-              <a:t>12</a:t>
+              <a:t>13</a:t>
             </a:fld>
             <a:endParaRPr lang="en-US" dirty="0"/>
           </a:p>
@@ -3334,7 +3618,7 @@
           <a:graphicData uri="http://schemas.openxmlformats.org/presentationml/2006/ole">
             <mc:AlternateContent xmlns:mc="http://schemas.openxmlformats.org/markup-compatibility/2006">
               <mc:Choice xmlns:v="urn:schemas-microsoft-com:vml" Requires="v">
-                <p:oleObj spid="_x0000_s5129" name="Equation" r:id="rId3" imgW="1473200" imgH="254000" progId="Equation.DSMT4">
+                <p:oleObj spid="_x0000_s5132" name="Equation" r:id="rId3" imgW="1473200" imgH="254000" progId="Equation.DSMT4">
                   <p:embed/>
                 </p:oleObj>
               </mc:Choice>
@@ -3410,9 +3694,6 @@
               </a:rPr>
               <a:t> Law</a:t>
             </a:r>
-            <a:endParaRPr lang="en-US" sz="5400" dirty="0" smtClean="0">
-              <a:latin typeface="Comic Sans MS" pitchFamily="66" charset="0"/>
-            </a:endParaRPr>
           </a:p>
         </p:txBody>
       </p:sp>
@@ -3571,7 +3852,7 @@
 </p:sld>
 </file>
 
-<file path=ppt/slides/slide13.xml><?xml version="1.0" encoding="utf-8"?>
+<file path=ppt/slides/slide14.xml><?xml version="1.0" encoding="utf-8"?>
 <p:sld xmlns:a="http://schemas.openxmlformats.org/drawingml/2006/main" xmlns:r="http://schemas.openxmlformats.org/officeDocument/2006/relationships" xmlns:p="http://schemas.openxmlformats.org/presentationml/2006/main">
   <p:cSld>
     <p:spTree>
@@ -3610,7 +3891,7 @@
           <a:graphicData uri="http://schemas.openxmlformats.org/presentationml/2006/ole">
             <mc:AlternateContent xmlns:mc="http://schemas.openxmlformats.org/markup-compatibility/2006">
               <mc:Choice xmlns:v="urn:schemas-microsoft-com:vml" Requires="v">
-                <p:oleObj spid="_x0000_s7185" name="Equation" r:id="rId3" imgW="762000" imgH="469900" progId="Equation.DSMT4">
+                <p:oleObj spid="_x0000_s7190" name="Equation" r:id="rId3" imgW="762000" imgH="469900" progId="Equation.DSMT4">
                   <p:embed/>
                 </p:oleObj>
               </mc:Choice>
@@ -3707,7 +3988,7 @@
               <a:pPr>
                 <a:defRPr/>
               </a:pPr>
-              <a:t>13</a:t>
+              <a:t>14</a:t>
             </a:fld>
             <a:endParaRPr lang="en-US" dirty="0"/>
           </a:p>
@@ -3806,7 +4087,7 @@
           <a:graphicData uri="http://schemas.openxmlformats.org/presentationml/2006/ole">
             <mc:AlternateContent xmlns:mc="http://schemas.openxmlformats.org/markup-compatibility/2006">
               <mc:Choice xmlns:v="urn:schemas-microsoft-com:vml" Requires="v">
-                <p:oleObj spid="_x0000_s7186" name="Equation" r:id="rId5" imgW="927100" imgH="254000" progId="Equation.DSMT4">
+                <p:oleObj spid="_x0000_s7191" name="Equation" r:id="rId5" imgW="927100" imgH="254000" progId="Equation.DSMT4">
                   <p:embed/>
                 </p:oleObj>
               </mc:Choice>
@@ -3882,9 +4163,6 @@
               </a:rPr>
               <a:t> Law</a:t>
             </a:r>
-            <a:endParaRPr lang="en-US" sz="5400" dirty="0" smtClean="0">
-              <a:latin typeface="Comic Sans MS" pitchFamily="66" charset="0"/>
-            </a:endParaRPr>
           </a:p>
         </p:txBody>
       </p:sp>
@@ -4098,7 +4376,7 @@
 </p:sld>
 </file>
 
-<file path=ppt/slides/slide14.xml><?xml version="1.0" encoding="utf-8"?>
+<file path=ppt/slides/slide15.xml><?xml version="1.0" encoding="utf-8"?>
 <p:sld xmlns:a="http://schemas.openxmlformats.org/drawingml/2006/main" xmlns:r="http://schemas.openxmlformats.org/officeDocument/2006/relationships" xmlns:p="http://schemas.openxmlformats.org/presentationml/2006/main">
   <p:cSld>
     <p:spTree>
@@ -4137,7 +4415,7 @@
           <a:graphicData uri="http://schemas.openxmlformats.org/presentationml/2006/ole">
             <mc:AlternateContent xmlns:mc="http://schemas.openxmlformats.org/markup-compatibility/2006">
               <mc:Choice xmlns:v="urn:schemas-microsoft-com:vml" Requires="v">
-                <p:oleObj spid="_x0000_s8200" name="Equation" r:id="rId3" imgW="1155700" imgH="482600" progId="Equation.DSMT4">
+                <p:oleObj spid="_x0000_s8203" name="Equation" r:id="rId3" imgW="1155700" imgH="482600" progId="Equation.DSMT4">
                   <p:embed/>
                 </p:oleObj>
               </mc:Choice>
@@ -4254,7 +4532,7 @@
               <a:pPr>
                 <a:defRPr/>
               </a:pPr>
-              <a:t>14</a:t>
+              <a:t>15</a:t>
             </a:fld>
             <a:endParaRPr lang="en-US" dirty="0"/>
           </a:p>
@@ -4298,12 +4576,6 @@
               </a:rPr>
               <a:t>F</a:t>
             </a:r>
-            <a:endParaRPr lang="en-US" sz="5400" dirty="0" smtClean="0">
-              <a:solidFill>
-                <a:srgbClr val="FF0000"/>
-              </a:solidFill>
-              <a:latin typeface="Comic Sans MS" pitchFamily="66" charset="0"/>
-            </a:endParaRPr>
           </a:p>
         </p:txBody>
       </p:sp>
@@ -4462,7 +4734,7 @@
 </p:sld>
 </file>
 
-<file path=ppt/slides/slide15.xml><?xml version="1.0" encoding="utf-8"?>
+<file path=ppt/slides/slide16.xml><?xml version="1.0" encoding="utf-8"?>
 <p:sld xmlns:a="http://schemas.openxmlformats.org/drawingml/2006/main" xmlns:r="http://schemas.openxmlformats.org/officeDocument/2006/relationships" xmlns:p="http://schemas.openxmlformats.org/presentationml/2006/main">
   <p:cSld>
     <p:spTree>
@@ -4558,7 +4830,7 @@
               <a:pPr>
                 <a:defRPr/>
               </a:pPr>
-              <a:t>15</a:t>
+              <a:t>16</a:t>
             </a:fld>
             <a:endParaRPr lang="en-US" dirty="0"/>
           </a:p>
@@ -4586,7 +4858,7 @@
           <a:graphicData uri="http://schemas.openxmlformats.org/presentationml/2006/ole">
             <mc:AlternateContent xmlns:mc="http://schemas.openxmlformats.org/markup-compatibility/2006">
               <mc:Choice xmlns:v="urn:schemas-microsoft-com:vml" Requires="v">
-                <p:oleObj spid="_x0000_s10248" name="Equation" r:id="rId3" imgW="1181100" imgH="939800" progId="Equation.DSMT4">
+                <p:oleObj spid="_x0000_s10251" name="Equation" r:id="rId3" imgW="1181100" imgH="939800" progId="Equation.DSMT4">
                   <p:embed/>
                 </p:oleObj>
               </mc:Choice>
@@ -4644,7 +4916,7 @@
 </p:sld>
 </file>
 
-<file path=ppt/slides/slide16.xml><?xml version="1.0" encoding="utf-8"?>
+<file path=ppt/slides/slide17.xml><?xml version="1.0" encoding="utf-8"?>
 <p:sld xmlns:a="http://schemas.openxmlformats.org/drawingml/2006/main" xmlns:r="http://schemas.openxmlformats.org/officeDocument/2006/relationships" xmlns:p="http://schemas.openxmlformats.org/presentationml/2006/main">
   <p:cSld>
     <p:spTree>
@@ -4740,7 +5012,7 @@
               <a:pPr>
                 <a:defRPr/>
               </a:pPr>
-              <a:t>16</a:t>
+              <a:t>17</a:t>
             </a:fld>
             <a:endParaRPr lang="en-US" dirty="0"/>
           </a:p>
@@ -4768,7 +5040,7 @@
           <a:graphicData uri="http://schemas.openxmlformats.org/presentationml/2006/ole">
             <mc:AlternateContent xmlns:mc="http://schemas.openxmlformats.org/markup-compatibility/2006">
               <mc:Choice xmlns:v="urn:schemas-microsoft-com:vml" Requires="v">
-                <p:oleObj spid="_x0000_s11271" name="Equation" r:id="rId3" imgW="1181100" imgH="939800" progId="Equation.DSMT4">
+                <p:oleObj spid="_x0000_s11274" name="Equation" r:id="rId3" imgW="1181100" imgH="939800" progId="Equation.DSMT4">
                   <p:embed/>
                 </p:oleObj>
               </mc:Choice>
@@ -4835,12 +5107,6 @@
               </a:rPr>
               <a:t>Each sum has all variables</a:t>
             </a:r>
-            <a:endParaRPr lang="en-US" sz="4800" dirty="0" smtClean="0">
-              <a:solidFill>
-                <a:srgbClr val="BB0FAB"/>
-              </a:solidFill>
-              <a:latin typeface="Comic Sans MS" pitchFamily="66" charset="0"/>
-            </a:endParaRPr>
           </a:p>
         </p:txBody>
       </p:sp>
@@ -4854,13 +5120,13 @@
   <p:clrMapOvr>
     <a:masterClrMapping/>
   </p:clrMapOvr>
-  <mc:AlternateContent xmlns:mc="http://schemas.openxmlformats.org/markup-compatibility/2006">
-    <mc:Choice xmlns:p14="http://schemas.microsoft.com/office/powerpoint/2010/main" Requires="p14">
+  <mc:AlternateContent xmlns:mc="http://schemas.openxmlformats.org/markup-compatibility/2006" xmlns:p14="http://schemas.microsoft.com/office/powerpoint/2010/main">
+    <mc:Choice Requires="p14">
       <p:transition spd="med" p14:dur="600" advClick="0">
         <p:fade/>
       </p:transition>
     </mc:Choice>
-    <mc:Fallback>
+    <mc:Fallback xmlns="">
       <p:transition xmlns:p14="http://schemas.microsoft.com/office/powerpoint/2010/main" spd="med" advClick="0">
         <p:fade/>
       </p:transition>
@@ -4876,7 +5142,7 @@
 </p:sld>
 </file>
 
-<file path=ppt/slides/slide17.xml><?xml version="1.0" encoding="utf-8"?>
+<file path=ppt/slides/slide18.xml><?xml version="1.0" encoding="utf-8"?>
 <p:sld xmlns:a="http://schemas.openxmlformats.org/drawingml/2006/main" xmlns:r="http://schemas.openxmlformats.org/officeDocument/2006/relationships" xmlns:p="http://schemas.openxmlformats.org/presentationml/2006/main">
   <p:cSld>
     <p:spTree>
@@ -4974,7 +5240,7 @@
               <a:pPr>
                 <a:defRPr/>
               </a:pPr>
-              <a:t>17</a:t>
+              <a:t>18</a:t>
             </a:fld>
             <a:endParaRPr lang="en-US" dirty="0"/>
           </a:p>
@@ -5003,7 +5269,7 @@
 </p:sld>
 </file>
 
-<file path=ppt/slides/slide18.xml><?xml version="1.0" encoding="utf-8"?>
+<file path=ppt/slides/slide19.xml><?xml version="1.0" encoding="utf-8"?>
 <p:sld xmlns:a="http://schemas.openxmlformats.org/drawingml/2006/main" xmlns:r="http://schemas.openxmlformats.org/officeDocument/2006/relationships" xmlns:p="http://schemas.openxmlformats.org/presentationml/2006/main" show="0">
   <p:cSld>
     <p:spTree>
@@ -5084,7 +5350,7 @@
               <a:pPr>
                 <a:defRPr/>
               </a:pPr>
-              <a:t>18</a:t>
+              <a:t>19</a:t>
             </a:fld>
             <a:endParaRPr lang="en-US" dirty="0"/>
           </a:p>
@@ -5128,9 +5394,6 @@
               </a:rPr>
               <a:t>off the Truth Table</a:t>
             </a:r>
-            <a:endParaRPr lang="en-US" sz="6600" dirty="0" smtClean="0">
-              <a:latin typeface="Comic Sans MS" pitchFamily="66" charset="0"/>
-            </a:endParaRPr>
           </a:p>
         </p:txBody>
       </p:sp>
@@ -5381,12 +5644,6 @@
               </a:rPr>
               <a:t>)</a:t>
             </a:r>
-            <a:endParaRPr lang="en-US" sz="5400" dirty="0" smtClean="0">
-              <a:solidFill>
-                <a:schemeClr val="tx2"/>
-              </a:solidFill>
-              <a:latin typeface="Comic Sans MS" pitchFamily="66" charset="0"/>
-            </a:endParaRPr>
           </a:p>
         </p:txBody>
       </p:sp>
@@ -5431,12 +5688,6 @@
               </a:rPr>
               <a:t> Form</a:t>
             </a:r>
-            <a:endParaRPr lang="en-US" sz="8000" dirty="0" smtClean="0">
-              <a:solidFill>
-                <a:srgbClr val="000000"/>
-              </a:solidFill>
-              <a:latin typeface="Comic Sans MS" pitchFamily="66" charset="0"/>
-            </a:endParaRPr>
           </a:p>
         </p:txBody>
       </p:sp>
@@ -7262,7 +7513,7 @@
           <a:graphicData uri="http://schemas.openxmlformats.org/presentationml/2006/ole">
             <mc:AlternateContent xmlns:mc="http://schemas.openxmlformats.org/markup-compatibility/2006">
               <mc:Choice xmlns:v="urn:schemas-microsoft-com:vml" Requires="v">
-                <p:oleObj spid="_x0000_s1051" name="Equation" r:id="rId3" imgW="939800" imgH="469900" progId="Equation.DSMT4">
+                <p:oleObj spid="_x0000_s1056" name="Equation" r:id="rId3" imgW="939800" imgH="469900" progId="Equation.DSMT4">
                   <p:embed/>
                 </p:oleObj>
               </mc:Choice>
@@ -7427,12 +7678,6 @@
               </a:rPr>
               <a:t>T</a:t>
             </a:r>
-            <a:endParaRPr lang="en-US" sz="5400" dirty="0" smtClean="0">
-              <a:solidFill>
-                <a:srgbClr val="006600"/>
-              </a:solidFill>
-              <a:latin typeface="Comic Sans MS" pitchFamily="66" charset="0"/>
-            </a:endParaRPr>
           </a:p>
         </p:txBody>
       </p:sp>
@@ -7458,7 +7703,7 @@
           <a:graphicData uri="http://schemas.openxmlformats.org/presentationml/2006/ole">
             <mc:AlternateContent xmlns:mc="http://schemas.openxmlformats.org/markup-compatibility/2006">
               <mc:Choice xmlns:v="urn:schemas-microsoft-com:vml" Requires="v">
-                <p:oleObj spid="_x0000_s1052" name="Equation" r:id="rId5" imgW="1066800" imgH="254000" progId="Equation.DSMT4">
+                <p:oleObj spid="_x0000_s1057" name="Equation" r:id="rId5" imgW="1066800" imgH="254000" progId="Equation.DSMT4">
                   <p:embed/>
                 </p:oleObj>
               </mc:Choice>
@@ -7740,7 +7985,7 @@
           <a:graphicData uri="http://schemas.openxmlformats.org/presentationml/2006/ole">
             <mc:AlternateContent xmlns:mc="http://schemas.openxmlformats.org/markup-compatibility/2006">
               <mc:Choice xmlns:v="urn:schemas-microsoft-com:vml" Requires="v">
-                <p:oleObj spid="_x0000_s2061" name="Equation" r:id="rId3" imgW="1003300" imgH="482600" progId="Equation.DSMT4">
+                <p:oleObj spid="_x0000_s2064" name="Equation" r:id="rId3" imgW="1003300" imgH="482600" progId="Equation.DSMT4">
                   <p:embed/>
                 </p:oleObj>
               </mc:Choice>
@@ -7901,12 +8146,6 @@
               </a:rPr>
               <a:t>T</a:t>
             </a:r>
-            <a:endParaRPr lang="en-US" sz="5400" dirty="0" smtClean="0">
-              <a:solidFill>
-                <a:srgbClr val="006600"/>
-              </a:solidFill>
-              <a:latin typeface="Comic Sans MS" pitchFamily="66" charset="0"/>
-            </a:endParaRPr>
           </a:p>
         </p:txBody>
       </p:sp>
@@ -8104,7 +8343,7 @@
           <a:graphicData uri="http://schemas.openxmlformats.org/presentationml/2006/ole">
             <mc:AlternateContent xmlns:mc="http://schemas.openxmlformats.org/markup-compatibility/2006">
               <mc:Choice xmlns:v="urn:schemas-microsoft-com:vml" Requires="v">
-                <p:oleObj spid="_x0000_s13316" name="Equation" r:id="rId3" imgW="533400" imgH="914400" progId="Equation.DSMT4">
+                <p:oleObj spid="_x0000_s13319" name="Equation" r:id="rId3" imgW="533400" imgH="914400" progId="Equation.DSMT4">
                   <p:embed/>
                 </p:oleObj>
               </mc:Choice>
@@ -8237,13 +8476,13 @@
   <p:clrMapOvr>
     <a:masterClrMapping/>
   </p:clrMapOvr>
-  <mc:AlternateContent xmlns:mc="http://schemas.openxmlformats.org/markup-compatibility/2006">
-    <mc:Choice xmlns:p14="http://schemas.microsoft.com/office/powerpoint/2010/main" Requires="p14">
+  <mc:AlternateContent xmlns:mc="http://schemas.openxmlformats.org/markup-compatibility/2006" xmlns:p14="http://schemas.microsoft.com/office/powerpoint/2010/main">
+    <mc:Choice Requires="p14">
       <p:transition spd="med" p14:dur="700" advClick="0">
         <p:fade/>
       </p:transition>
     </mc:Choice>
-    <mc:Fallback>
+    <mc:Fallback xmlns="">
       <p:transition xmlns:p14="http://schemas.microsoft.com/office/powerpoint/2010/main" spd="med" advClick="0">
         <p:fade/>
       </p:transition>
@@ -8298,7 +8537,7 @@
           <a:graphicData uri="http://schemas.openxmlformats.org/presentationml/2006/ole">
             <mc:AlternateContent xmlns:mc="http://schemas.openxmlformats.org/markup-compatibility/2006">
               <mc:Choice xmlns:v="urn:schemas-microsoft-com:vml" Requires="v">
-                <p:oleObj spid="_x0000_s12292" name="Equation" r:id="rId3" imgW="533400" imgH="914400" progId="Equation.DSMT4">
+                <p:oleObj spid="_x0000_s12295" name="Equation" r:id="rId3" imgW="533400" imgH="914400" progId="Equation.DSMT4">
                   <p:embed/>
                 </p:oleObj>
               </mc:Choice>
@@ -8411,13 +8650,13 @@
   <p:clrMapOvr>
     <a:masterClrMapping/>
   </p:clrMapOvr>
-  <mc:AlternateContent xmlns:mc="http://schemas.openxmlformats.org/markup-compatibility/2006">
-    <mc:Choice xmlns:p14="http://schemas.microsoft.com/office/powerpoint/2010/main" Requires="p14">
+  <mc:AlternateContent xmlns:mc="http://schemas.openxmlformats.org/markup-compatibility/2006" xmlns:p14="http://schemas.microsoft.com/office/powerpoint/2010/main">
+    <mc:Choice Requires="p14">
       <p:transition spd="med" p14:dur="700" advClick="0">
         <p:fade/>
       </p:transition>
     </mc:Choice>
-    <mc:Fallback>
+    <mc:Fallback xmlns="">
       <p:transition xmlns:p14="http://schemas.microsoft.com/office/powerpoint/2010/main" spd="med" advClick="0">
         <p:fade/>
       </p:transition>
@@ -8540,7 +8779,7 @@
           <a:graphicData uri="http://schemas.openxmlformats.org/presentationml/2006/ole">
             <mc:AlternateContent xmlns:mc="http://schemas.openxmlformats.org/markup-compatibility/2006">
               <mc:Choice xmlns:v="urn:schemas-microsoft-com:vml" Requires="v">
-                <p:oleObj spid="_x0000_s3083" name="Equation" r:id="rId3" imgW="1282700" imgH="914400" progId="Equation.DSMT4">
+                <p:oleObj spid="_x0000_s3086" name="Equation" r:id="rId3" imgW="1282700" imgH="914400" progId="Equation.DSMT4">
                   <p:embed/>
                 </p:oleObj>
               </mc:Choice>
@@ -8724,12 +8963,6 @@
               </a:rPr>
               <a:t>Each product has all variables</a:t>
             </a:r>
-            <a:endParaRPr lang="en-US" sz="4800" dirty="0" smtClean="0">
-              <a:solidFill>
-                <a:srgbClr val="BB0FAB"/>
-              </a:solidFill>
-              <a:latin typeface="Comic Sans MS" pitchFamily="66" charset="0"/>
-            </a:endParaRPr>
           </a:p>
         </p:txBody>
       </p:sp>
@@ -8755,7 +8988,7 @@
           <a:graphicData uri="http://schemas.openxmlformats.org/presentationml/2006/ole">
             <mc:AlternateContent xmlns:mc="http://schemas.openxmlformats.org/markup-compatibility/2006">
               <mc:Choice xmlns:v="urn:schemas-microsoft-com:vml" Requires="v">
-                <p:oleObj spid="_x0000_s4107" name="Equation" r:id="rId3" imgW="1282700" imgH="914400" progId="Equation.DSMT4">
+                <p:oleObj spid="_x0000_s4110" name="Equation" r:id="rId3" imgW="1282700" imgH="914400" progId="Equation.DSMT4">
                   <p:embed/>
                 </p:oleObj>
               </mc:Choice>
